--- a/ppt/jQuery/JQuery.pptx
+++ b/ppt/jQuery/JQuery.pptx
@@ -239,7 +239,7 @@
           <a:p>
             <a:fld id="{D63D5444-F62C-42C3-A75A-D9DBA807730F}" type="datetimeFigureOut">
               <a:rPr lang="en-US" altLang="zh-CN" smtClean="0"/>
-              <a:t>12/20/2016</a:t>
+              <a:t>1/13/2017</a:t>
             </a:fld>
             <a:endParaRPr lang="zh-CN"/>
           </a:p>
@@ -403,7 +403,7 @@
           </a:lstStyle>
           <a:p>
             <a:fld id="{12CAA1FA-7B6A-47D2-8D61-F225D71B51FF}" type="datetimeFigureOut">
-              <a:t>2016/12/20</a:t>
+              <a:t>2017/1/13</a:t>
             </a:fld>
             <a:endParaRPr lang="zh-CN"/>
           </a:p>
@@ -1241,7 +1241,7 @@
           <a:lstStyle/>
           <a:p>
             <a:fld id="{A79A3335-6331-4872-A8B7-ECD55539F4D0}" type="datetimeFigureOut">
-              <a:t>2016/12/20</a:t>
+              <a:t>2017/1/13</a:t>
             </a:fld>
             <a:endParaRPr lang="zh-CN"/>
           </a:p>
@@ -1498,7 +1498,7 @@
           <a:lstStyle/>
           <a:p>
             <a:fld id="{A79A3335-6331-4872-A8B7-ECD55539F4D0}" type="datetimeFigureOut">
-              <a:t>2016/12/20</a:t>
+              <a:t>2017/1/13</a:t>
             </a:fld>
             <a:endParaRPr lang="zh-CN"/>
           </a:p>
@@ -2024,7 +2024,7 @@
           <a:lstStyle/>
           <a:p>
             <a:fld id="{A79A3335-6331-4872-A8B7-ECD55539F4D0}" type="datetimeFigureOut">
-              <a:t>2016/12/20</a:t>
+              <a:t>2017/1/13</a:t>
             </a:fld>
             <a:endParaRPr lang="zh-CN"/>
           </a:p>
@@ -2354,7 +2354,7 @@
           <a:lstStyle/>
           <a:p>
             <a:fld id="{A79A3335-6331-4872-A8B7-ECD55539F4D0}" type="datetimeFigureOut">
-              <a:t>2016/12/20</a:t>
+              <a:t>2017/1/13</a:t>
             </a:fld>
             <a:endParaRPr lang="zh-CN"/>
           </a:p>
@@ -2534,7 +2534,7 @@
           <a:lstStyle/>
           <a:p>
             <a:fld id="{A79A3335-6331-4872-A8B7-ECD55539F4D0}" type="datetimeFigureOut">
-              <a:t>2016/12/20</a:t>
+              <a:t>2017/1/13</a:t>
             </a:fld>
             <a:endParaRPr lang="zh-CN"/>
           </a:p>
@@ -3764,7 +3764,7 @@
           <a:lstStyle/>
           <a:p>
             <a:fld id="{A79A3335-6331-4872-A8B7-ECD55539F4D0}" type="datetimeFigureOut">
-              <a:t>2016/12/20</a:t>
+              <a:t>2017/1/13</a:t>
             </a:fld>
             <a:endParaRPr lang="zh-CN"/>
           </a:p>
@@ -4078,7 +4078,7 @@
           <a:lstStyle/>
           <a:p>
             <a:fld id="{A79A3335-6331-4872-A8B7-ECD55539F4D0}" type="datetimeFigureOut">
-              <a:t>2016/12/20</a:t>
+              <a:t>2017/1/13</a:t>
             </a:fld>
             <a:endParaRPr lang="zh-CN"/>
           </a:p>
@@ -4273,7 +4273,7 @@
           <a:lstStyle/>
           <a:p>
             <a:fld id="{A79A3335-6331-4872-A8B7-ECD55539F4D0}" type="datetimeFigureOut">
-              <a:t>2016/12/20</a:t>
+              <a:t>2017/1/13</a:t>
             </a:fld>
             <a:endParaRPr lang="zh-CN"/>
           </a:p>
@@ -4378,7 +4378,7 @@
           <a:lstStyle/>
           <a:p>
             <a:fld id="{A79A3335-6331-4872-A8B7-ECD55539F4D0}" type="datetimeFigureOut">
-              <a:t>2016/12/20</a:t>
+              <a:t>2017/1/13</a:t>
             </a:fld>
             <a:endParaRPr lang="zh-CN"/>
           </a:p>
@@ -4667,7 +4667,7 @@
           <a:lstStyle/>
           <a:p>
             <a:fld id="{A79A3335-6331-4872-A8B7-ECD55539F4D0}" type="datetimeFigureOut">
-              <a:t>2016/12/20</a:t>
+              <a:t>2017/1/13</a:t>
             </a:fld>
             <a:endParaRPr lang="zh-CN"/>
           </a:p>
@@ -5039,7 +5039,7 @@
             <a:fld id="{A79A3335-6331-4872-A8B7-ECD55539F4D0}" type="datetimeFigureOut">
               <a:rPr lang="en-US" altLang="zh-CN" smtClean="0"/>
               <a:pPr/>
-              <a:t>12/20/2016</a:t>
+              <a:t>1/13/2017</a:t>
             </a:fld>
             <a:endParaRPr lang="zh-CN" altLang="en-US"/>
           </a:p>
@@ -5720,6 +5720,10 @@
               <a:rPr lang="en-US" altLang="zh-CN" sz="1800" dirty="0"/>
               <a:t>&lt;div&gt;</a:t>
             </a:r>
+            <a:r>
+              <a:rPr lang="zh-CN" altLang="en-US" sz="1800" dirty="0"/>
+              <a:t/>
+            </a:r>
             <a:br>
               <a:rPr lang="zh-CN" altLang="en-US" sz="1800" dirty="0"/>
             </a:br>
@@ -5738,6 +5742,10 @@
             <a:r>
               <a:rPr lang="en-US" altLang="zh-CN" sz="1800" dirty="0"/>
               <a:t>&lt;/p&gt;</a:t>
+            </a:r>
+            <a:r>
+              <a:rPr lang="zh-CN" altLang="en-US" sz="1800" dirty="0"/>
+              <a:t/>
             </a:r>
             <a:br>
               <a:rPr lang="zh-CN" altLang="en-US" sz="1800" dirty="0"/>
@@ -6786,8 +6794,8 @@
               <a:t>$(“h1”).</a:t>
             </a:r>
             <a:r>
-              <a:rPr lang="en-US" altLang="zh-CN" dirty="0" err="1"/>
-              <a:t>troggleClass</a:t>
+              <a:rPr lang="en-US" altLang="zh-CN" dirty="0" err="1" smtClean="0"/>
+              <a:t>toggleClass</a:t>
             </a:r>
             <a:r>
               <a:rPr lang="en-US" altLang="zh-CN" dirty="0"/>
@@ -6808,8 +6816,8 @@
               <a:t>$(“h1”).</a:t>
             </a:r>
             <a:r>
-              <a:rPr lang="en-US" altLang="zh-CN" dirty="0" err="1"/>
-              <a:t>troggleClass</a:t>
+              <a:rPr lang="en-US" altLang="zh-CN" dirty="0" err="1" smtClean="0"/>
+              <a:t>toggleClass</a:t>
             </a:r>
             <a:r>
               <a:rPr lang="en-US" altLang="zh-CN" dirty="0"/>
@@ -6842,8 +6850,8 @@
               <a:t>$(“h1”).</a:t>
             </a:r>
             <a:r>
-              <a:rPr lang="en-US" altLang="zh-CN" dirty="0" err="1"/>
-              <a:t>troggleClass</a:t>
+              <a:rPr lang="en-US" altLang="zh-CN" smtClean="0"/>
+              <a:t>toggleClass</a:t>
             </a:r>
             <a:r>
               <a:rPr lang="en-US" altLang="zh-CN" dirty="0"/>
@@ -11231,12 +11239,26 @@
               </a:rPr>
               <a:t>综合练习：</a:t>
             </a:r>
+            <a:r>
+              <a:rPr lang="en-US" altLang="zh-CN" sz="2800" dirty="0">
+                <a:latin typeface="Microsoft YaHei UI" panose="020B0503020204020204" pitchFamily="34" charset="-122"/>
+                <a:ea typeface="Microsoft YaHei UI" panose="020B0503020204020204" pitchFamily="34" charset="-122"/>
+              </a:rPr>
+              <a:t/>
+            </a:r>
             <a:br>
               <a:rPr lang="en-US" altLang="zh-CN" sz="2800" dirty="0">
                 <a:latin typeface="Microsoft YaHei UI" panose="020B0503020204020204" pitchFamily="34" charset="-122"/>
                 <a:ea typeface="Microsoft YaHei UI" panose="020B0503020204020204" pitchFamily="34" charset="-122"/>
               </a:rPr>
             </a:br>
+            <a:r>
+              <a:rPr lang="en-US" altLang="zh-CN" sz="2800" dirty="0">
+                <a:latin typeface="Microsoft YaHei UI" panose="020B0503020204020204" pitchFamily="34" charset="-122"/>
+                <a:ea typeface="Microsoft YaHei UI" panose="020B0503020204020204" pitchFamily="34" charset="-122"/>
+              </a:rPr>
+              <a:t/>
+            </a:r>
             <a:br>
               <a:rPr lang="en-US" altLang="zh-CN" sz="2800" dirty="0">
                 <a:latin typeface="Microsoft YaHei UI" panose="020B0503020204020204" pitchFamily="34" charset="-122"/>
@@ -11257,6 +11279,13 @@
               </a:rPr>
               <a:t>表单验证</a:t>
             </a:r>
+            <a:r>
+              <a:rPr lang="en-US" altLang="zh-CN" sz="2800" dirty="0">
+                <a:latin typeface="Microsoft YaHei UI" panose="020B0503020204020204" pitchFamily="34" charset="-122"/>
+                <a:ea typeface="Microsoft YaHei UI" panose="020B0503020204020204" pitchFamily="34" charset="-122"/>
+              </a:rPr>
+              <a:t/>
+            </a:r>
             <a:br>
               <a:rPr lang="en-US" altLang="zh-CN" sz="2800" dirty="0">
                 <a:latin typeface="Microsoft YaHei UI" panose="020B0503020204020204" pitchFamily="34" charset="-122"/>
@@ -11274,6 +11303,10 @@
               <a:rPr lang="zh-CN" altLang="en-US" sz="2800" dirty="0"/>
               <a:t>可编辑表单</a:t>
             </a:r>
+            <a:r>
+              <a:rPr lang="en-US" altLang="zh-CN" sz="2800" dirty="0"/>
+              <a:t/>
+            </a:r>
             <a:br>
               <a:rPr lang="en-US" altLang="zh-CN" sz="2800" dirty="0"/>
             </a:br>
@@ -11285,6 +11318,10 @@
               <a:rPr lang="zh-CN" altLang="en-US" sz="2800" dirty="0"/>
               <a:t>右键菜单</a:t>
             </a:r>
+            <a:r>
+              <a:rPr lang="en-US" altLang="zh-CN" sz="2800" dirty="0"/>
+              <a:t/>
+            </a:r>
             <a:br>
               <a:rPr lang="en-US" altLang="zh-CN" sz="2800" dirty="0"/>
             </a:br>
@@ -11295,6 +11332,13 @@
             <a:r>
               <a:rPr lang="zh-CN" altLang="en-US" sz="2800" dirty="0"/>
               <a:t>伸缩菜单</a:t>
+            </a:r>
+            <a:r>
+              <a:rPr lang="en-US" altLang="zh-CN" sz="2800" dirty="0">
+                <a:latin typeface="Microsoft YaHei UI" panose="020B0503020204020204" pitchFamily="34" charset="-122"/>
+                <a:ea typeface="Microsoft YaHei UI" panose="020B0503020204020204" pitchFamily="34" charset="-122"/>
+              </a:rPr>
+              <a:t/>
             </a:r>
             <a:br>
               <a:rPr lang="en-US" altLang="zh-CN" sz="2800" dirty="0">
